--- a/Ultimate Pocket Pal.pptx
+++ b/Ultimate Pocket Pal.pptx
@@ -16,6 +16,7 @@
     <p:sldId id="263" r:id="rId10"/>
     <p:sldId id="264" r:id="rId11"/>
     <p:sldId id="266" r:id="rId12"/>
+    <p:sldId id="267" r:id="rId13"/>
   </p:sldIdLst>
   <p:sldSz cx="12192000" cy="6858000"/>
   <p:notesSz cx="6858000" cy="9144000"/>
@@ -114,6 +115,11 @@
       </a:defRPr>
     </a:lvl9pPr>
   </p:defaultTextStyle>
+  <p:extLst>
+    <p:ext uri="{EFAFB233-063F-42B5-8137-9DF3F51BA10A}">
+      <p15:sldGuideLst xmlns:p15="http://schemas.microsoft.com/office/powerpoint/2012/main"/>
+    </p:ext>
+  </p:extLst>
 </p:presentation>
 </file>
 
@@ -248,7 +254,7 @@
           <a:p>
             <a:fld id="{1B280DD0-8D83-4970-8C3C-697598943BCD}" type="datetimeFigureOut">
               <a:rPr lang="en-AU" smtClean="0"/>
-              <a:t>24/10/2022</a:t>
+              <a:t>25/10/2022</a:t>
             </a:fld>
             <a:endParaRPr lang="en-AU"/>
           </a:p>
@@ -418,7 +424,7 @@
           <a:p>
             <a:fld id="{1B280DD0-8D83-4970-8C3C-697598943BCD}" type="datetimeFigureOut">
               <a:rPr lang="en-AU" smtClean="0"/>
-              <a:t>24/10/2022</a:t>
+              <a:t>25/10/2022</a:t>
             </a:fld>
             <a:endParaRPr lang="en-AU"/>
           </a:p>
@@ -598,7 +604,7 @@
           <a:p>
             <a:fld id="{1B280DD0-8D83-4970-8C3C-697598943BCD}" type="datetimeFigureOut">
               <a:rPr lang="en-AU" smtClean="0"/>
-              <a:t>24/10/2022</a:t>
+              <a:t>25/10/2022</a:t>
             </a:fld>
             <a:endParaRPr lang="en-AU"/>
           </a:p>
@@ -768,7 +774,7 @@
           <a:p>
             <a:fld id="{1B280DD0-8D83-4970-8C3C-697598943BCD}" type="datetimeFigureOut">
               <a:rPr lang="en-AU" smtClean="0"/>
-              <a:t>24/10/2022</a:t>
+              <a:t>25/10/2022</a:t>
             </a:fld>
             <a:endParaRPr lang="en-AU"/>
           </a:p>
@@ -1014,7 +1020,7 @@
           <a:p>
             <a:fld id="{1B280DD0-8D83-4970-8C3C-697598943BCD}" type="datetimeFigureOut">
               <a:rPr lang="en-AU" smtClean="0"/>
-              <a:t>24/10/2022</a:t>
+              <a:t>25/10/2022</a:t>
             </a:fld>
             <a:endParaRPr lang="en-AU"/>
           </a:p>
@@ -1246,7 +1252,7 @@
           <a:p>
             <a:fld id="{1B280DD0-8D83-4970-8C3C-697598943BCD}" type="datetimeFigureOut">
               <a:rPr lang="en-AU" smtClean="0"/>
-              <a:t>24/10/2022</a:t>
+              <a:t>25/10/2022</a:t>
             </a:fld>
             <a:endParaRPr lang="en-AU"/>
           </a:p>
@@ -1613,7 +1619,7 @@
           <a:p>
             <a:fld id="{1B280DD0-8D83-4970-8C3C-697598943BCD}" type="datetimeFigureOut">
               <a:rPr lang="en-AU" smtClean="0"/>
-              <a:t>24/10/2022</a:t>
+              <a:t>25/10/2022</a:t>
             </a:fld>
             <a:endParaRPr lang="en-AU"/>
           </a:p>
@@ -1731,7 +1737,7 @@
           <a:p>
             <a:fld id="{1B280DD0-8D83-4970-8C3C-697598943BCD}" type="datetimeFigureOut">
               <a:rPr lang="en-AU" smtClean="0"/>
-              <a:t>24/10/2022</a:t>
+              <a:t>25/10/2022</a:t>
             </a:fld>
             <a:endParaRPr lang="en-AU"/>
           </a:p>
@@ -1826,7 +1832,7 @@
           <a:p>
             <a:fld id="{1B280DD0-8D83-4970-8C3C-697598943BCD}" type="datetimeFigureOut">
               <a:rPr lang="en-AU" smtClean="0"/>
-              <a:t>24/10/2022</a:t>
+              <a:t>25/10/2022</a:t>
             </a:fld>
             <a:endParaRPr lang="en-AU"/>
           </a:p>
@@ -2103,7 +2109,7 @@
           <a:p>
             <a:fld id="{1B280DD0-8D83-4970-8C3C-697598943BCD}" type="datetimeFigureOut">
               <a:rPr lang="en-AU" smtClean="0"/>
-              <a:t>24/10/2022</a:t>
+              <a:t>25/10/2022</a:t>
             </a:fld>
             <a:endParaRPr lang="en-AU"/>
           </a:p>
@@ -2360,7 +2366,7 @@
           <a:p>
             <a:fld id="{1B280DD0-8D83-4970-8C3C-697598943BCD}" type="datetimeFigureOut">
               <a:rPr lang="en-AU" smtClean="0"/>
-              <a:t>24/10/2022</a:t>
+              <a:t>25/10/2022</a:t>
             </a:fld>
             <a:endParaRPr lang="en-AU"/>
           </a:p>
@@ -2576,7 +2582,7 @@
           <a:p>
             <a:fld id="{1B280DD0-8D83-4970-8C3C-697598943BCD}" type="datetimeFigureOut">
               <a:rPr lang="en-AU" smtClean="0"/>
-              <a:t>24/10/2022</a:t>
+              <a:t>25/10/2022</a:t>
             </a:fld>
             <a:endParaRPr lang="en-AU"/>
           </a:p>
@@ -2999,14 +3005,23 @@
         </p:nvSpPr>
         <p:spPr/>
         <p:txBody>
-          <a:bodyPr/>
+          <a:bodyPr>
+            <a:normAutofit/>
+          </a:bodyPr>
           <a:lstStyle/>
           <a:p>
             <a:r>
               <a:rPr lang="en-US" dirty="0"/>
               <a:t>Ultimate Pocket Pal</a:t>
             </a:r>
-            <a:endParaRPr lang="en-AU" dirty="0"/>
+            <a:br>
+              <a:rPr lang="en-US" dirty="0"/>
+            </a:br>
+            <a:r>
+              <a:rPr lang="en-US" sz="2400" i="1" dirty="0"/>
+              <a:t>Wasn’t I meant to do something today?</a:t>
+            </a:r>
+            <a:endParaRPr lang="en-AU" sz="2400" i="1" dirty="0"/>
           </a:p>
         </p:txBody>
       </p:sp>
@@ -3024,7 +3039,7 @@
         </p:nvSpPr>
         <p:spPr>
           <a:xfrm>
-            <a:off x="3130495" y="3489326"/>
+            <a:off x="3130495" y="3673992"/>
             <a:ext cx="6527800" cy="369332"/>
           </a:xfrm>
           <a:prstGeom prst="rect">
@@ -3063,7 +3078,7 @@
         </p:nvSpPr>
         <p:spPr>
           <a:xfrm>
-            <a:off x="3130495" y="3858658"/>
+            <a:off x="3130495" y="4043324"/>
             <a:ext cx="6096000" cy="369332"/>
           </a:xfrm>
           <a:prstGeom prst="rect">
@@ -3103,7 +3118,7 @@
         <p:spPr>
           <a:xfrm>
             <a:off x="7816685" y="4576685"/>
-            <a:ext cx="1409810" cy="369332"/>
+            <a:ext cx="1129925" cy="369332"/>
           </a:xfrm>
           <a:prstGeom prst="rect">
             <a:avLst/>
@@ -3118,7 +3133,7 @@
           <a:p>
             <a:r>
               <a:rPr lang="en-US" dirty="0"/>
-              <a:t>By Alex Perry</a:t>
+              <a:t>Alex Perry</a:t>
             </a:r>
             <a:endParaRPr lang="en-AU" dirty="0"/>
           </a:p>
@@ -3676,6 +3691,121 @@
 </p:sld>
 </file>
 
+<file path=ppt/slides/slide12.xml><?xml version="1.0" encoding="utf-8"?>
+<p:sld xmlns:a="http://schemas.openxmlformats.org/drawingml/2006/main" xmlns:r="http://schemas.openxmlformats.org/officeDocument/2006/relationships" xmlns:p="http://schemas.openxmlformats.org/presentationml/2006/main">
+  <p:cSld>
+    <p:spTree>
+      <p:nvGrpSpPr>
+        <p:cNvPr id="1" name=""/>
+        <p:cNvGrpSpPr/>
+        <p:nvPr/>
+      </p:nvGrpSpPr>
+      <p:grpSpPr>
+        <a:xfrm>
+          <a:off x="0" y="0"/>
+          <a:ext cx="0" cy="0"/>
+          <a:chOff x="0" y="0"/>
+          <a:chExt cx="0" cy="0"/>
+        </a:xfrm>
+      </p:grpSpPr>
+      <p:sp>
+        <p:nvSpPr>
+          <p:cNvPr id="3" name="Content Placeholder 2">
+            <a:extLst>
+              <a:ext uri="{FF2B5EF4-FFF2-40B4-BE49-F238E27FC236}">
+                <a16:creationId xmlns:a16="http://schemas.microsoft.com/office/drawing/2014/main" id="{CBDBFD02-64A9-98D8-F3AA-EFC1082C6784}"/>
+              </a:ext>
+            </a:extLst>
+          </p:cNvPr>
+          <p:cNvSpPr>
+            <a:spLocks noGrp="1"/>
+          </p:cNvSpPr>
+          <p:nvPr>
+            <p:ph idx="1"/>
+          </p:nvPr>
+        </p:nvSpPr>
+        <p:spPr/>
+        <p:txBody>
+          <a:bodyPr/>
+          <a:lstStyle/>
+          <a:p>
+            <a:r>
+              <a:rPr lang="en-AU" dirty="0">
+                <a:solidFill>
+                  <a:srgbClr val="A473EA"/>
+                </a:solidFill>
+              </a:rPr>
+              <a:t>GitHub: </a:t>
+            </a:r>
+            <a:r>
+              <a:rPr lang="en-AU" dirty="0">
+                <a:hlinkClick r:id="rId2">
+                  <a:extLst>
+                    <a:ext uri="{A12FA001-AC4F-418D-AE19-62706E023703}">
+                      <ahyp:hlinkClr xmlns:ahyp="http://schemas.microsoft.com/office/drawing/2018/hyperlinkcolor" val="tx"/>
+                    </a:ext>
+                  </a:extLst>
+                </a:hlinkClick>
+              </a:rPr>
+              <a:t>https://github.com/Alexander-Perry/ultimate-pocket-pal</a:t>
+            </a:r>
+            <a:endParaRPr lang="en-AU" dirty="0"/>
+          </a:p>
+          <a:p>
+            <a:endParaRPr lang="en-AU" dirty="0">
+              <a:solidFill>
+                <a:srgbClr val="A473EA"/>
+              </a:solidFill>
+            </a:endParaRPr>
+          </a:p>
+          <a:p>
+            <a:r>
+              <a:rPr lang="en-AU" dirty="0">
+                <a:solidFill>
+                  <a:srgbClr val="A473EA"/>
+                </a:solidFill>
+              </a:rPr>
+              <a:t>Deployment: </a:t>
+            </a:r>
+            <a:r>
+              <a:rPr lang="en-AU" dirty="0">
+                <a:hlinkClick r:id="rId3">
+                  <a:extLst>
+                    <a:ext uri="{A12FA001-AC4F-418D-AE19-62706E023703}">
+                      <ahyp:hlinkClr xmlns:ahyp="http://schemas.microsoft.com/office/drawing/2018/hyperlinkcolor" val="tx"/>
+                    </a:ext>
+                  </a:extLst>
+                </a:hlinkClick>
+              </a:rPr>
+              <a:t>https://pacific-forest-65301.herokuapp.com/</a:t>
+            </a:r>
+            <a:endParaRPr lang="en-AU" dirty="0"/>
+          </a:p>
+          <a:p>
+            <a:endParaRPr lang="en-AU" dirty="0">
+              <a:solidFill>
+                <a:srgbClr val="A473EA"/>
+              </a:solidFill>
+            </a:endParaRPr>
+          </a:p>
+          <a:p>
+            <a:endParaRPr lang="en-AU" dirty="0"/>
+          </a:p>
+        </p:txBody>
+      </p:sp>
+    </p:spTree>
+    <p:extLst>
+      <p:ext uri="{BB962C8B-B14F-4D97-AF65-F5344CB8AC3E}">
+        <p14:creationId xmlns:p14="http://schemas.microsoft.com/office/powerpoint/2010/main" val="3653338328"/>
+      </p:ext>
+    </p:extLst>
+  </p:cSld>
+  <p:clrMapOvr>
+    <a:masterClrMapping/>
+  </p:clrMapOvr>
+</p:sld>
+</file>
+
 <file path=ppt/slides/slide2.xml><?xml version="1.0" encoding="utf-8"?>
 <p:sld xmlns:a="http://schemas.openxmlformats.org/drawingml/2006/main" xmlns:r="http://schemas.openxmlformats.org/officeDocument/2006/relationships" xmlns:p="http://schemas.openxmlformats.org/presentationml/2006/main">
   <p:cSld>
@@ -3905,7 +4035,9 @@
         </p:nvSpPr>
         <p:spPr/>
         <p:txBody>
-          <a:bodyPr/>
+          <a:bodyPr>
+            <a:normAutofit/>
+          </a:bodyPr>
           <a:lstStyle/>
           <a:p>
             <a:pPr>
@@ -3913,10 +4045,7 @@
                 <a:srgbClr val="A473EA"/>
               </a:buClr>
             </a:pPr>
-            <a:r>
-              <a:rPr lang="en-US" dirty="0"/>
-              <a:t>Are you like me and leave things until the last minute? </a:t>
-            </a:r>
+            <a:endParaRPr lang="en-US" dirty="0"/>
           </a:p>
           <a:p>
             <a:pPr>
@@ -3926,7 +4055,7 @@
             </a:pPr>
             <a:r>
               <a:rPr lang="en-US" dirty="0"/>
-              <a:t>Do you get caught up in the day to day and get stuck trying to remember what that something was you were supposed to do today?</a:t>
+              <a:t>Are you like me and leave things until the last minute? </a:t>
             </a:r>
           </a:p>
           <a:p>
@@ -3938,6 +4067,17 @@
             <a:r>
               <a:rPr lang="en-US" dirty="0"/>
               <a:t>Did you forget about that TODO to create an Elevator Pitch?</a:t>
+            </a:r>
+          </a:p>
+          <a:p>
+            <a:pPr>
+              <a:buClr>
+                <a:srgbClr val="A473EA"/>
+              </a:buClr>
+            </a:pPr>
+            <a:r>
+              <a:rPr lang="en-US" dirty="0"/>
+              <a:t>Do you get caught up in the day to day and get stuck trying to remember what that something was you were supposed to do today?</a:t>
             </a:r>
           </a:p>
           <a:p>
@@ -4159,7 +4299,7 @@
             </a:pPr>
             <a:r>
               <a:rPr lang="en-US" sz="2200" dirty="0"/>
-              <a:t>Ultimate Pocket Pal is a functional, easy to use application that allows a user to Add daily events for each day of the week and assign a cost to each event. It allows a weekly budget calculation that helps the user work out whether they can afford to head out to that concert, to go to the pub for drinks, to spend that extra $50 on a birthday present. </a:t>
+              <a:t>Ultimate Pocket Pal is a functional, easy to use application that allows a user to Add daily events and tasks for each day of the week and assign a cost to each event. It allows a weekly budget calculation that helps the user work out whether they can afford to head out to that concert, to go to the pub for drinks, to spend that extra $50 on a birthday present, or simply how much you can spend on groceries. </a:t>
             </a:r>
           </a:p>
           <a:p>
@@ -4378,11 +4518,44 @@
                   <a:srgbClr val="A473EA"/>
                 </a:solidFill>
               </a:rPr>
+              <a:t>AS </a:t>
+            </a:r>
+            <a:r>
+              <a:rPr lang="en-US" dirty="0"/>
+              <a:t>Someone who struggles with keeping organized and on top of tasks</a:t>
+            </a:r>
+          </a:p>
+          <a:p>
+            <a:pPr marL="0" indent="0">
+              <a:buClr>
+                <a:srgbClr val="A473EA"/>
+              </a:buClr>
+              <a:buNone/>
+            </a:pPr>
+            <a:endParaRPr lang="en-US" dirty="0">
+              <a:solidFill>
+                <a:srgbClr val="A473EA"/>
+              </a:solidFill>
+            </a:endParaRPr>
+          </a:p>
+          <a:p>
+            <a:pPr marL="0" indent="0">
+              <a:buClr>
+                <a:srgbClr val="A473EA"/>
+              </a:buClr>
+              <a:buNone/>
+            </a:pPr>
+            <a:r>
+              <a:rPr lang="en-US" dirty="0">
+                <a:solidFill>
+                  <a:srgbClr val="A473EA"/>
+                </a:solidFill>
+              </a:rPr>
               <a:t>I WANT </a:t>
             </a:r>
             <a:r>
               <a:rPr lang="en-US" dirty="0"/>
-              <a:t>an application that provides easy-to-use personal event and budget management</a:t>
+              <a:t>an application that provides easy-to-use personal event, task and budget management</a:t>
             </a:r>
           </a:p>
           <a:p>
@@ -4804,7 +4977,7 @@
         <p:spPr/>
         <p:txBody>
           <a:bodyPr>
-            <a:normAutofit fontScale="85000" lnSpcReduction="20000"/>
+            <a:normAutofit fontScale="55000" lnSpcReduction="20000"/>
           </a:bodyPr>
           <a:lstStyle/>
           <a:p>
@@ -4836,9 +5009,9 @@
             </a:r>
           </a:p>
           <a:p>
-            <a:endParaRPr lang="en-AU" dirty="0"/>
-          </a:p>
-          <a:p>
+            <a:pPr marL="0" indent="0">
+              <a:buNone/>
+            </a:pPr>
             <a:endParaRPr lang="en-AU" dirty="0"/>
           </a:p>
           <a:p>
@@ -4862,6 +5035,21 @@
             </a:pPr>
             <a:r>
               <a:rPr lang="en-AU" dirty="0"/>
+              <a:t>Mongoose</a:t>
+            </a:r>
+          </a:p>
+          <a:p>
+            <a:pPr marL="0" indent="0">
+              <a:buNone/>
+            </a:pPr>
+            <a:endParaRPr lang="en-AU" dirty="0"/>
+          </a:p>
+          <a:p>
+            <a:pPr marL="0" indent="0">
+              <a:buNone/>
+            </a:pPr>
+            <a:r>
+              <a:rPr lang="en-AU" dirty="0"/>
               <a:t>MUI </a:t>
             </a:r>
             <a:r>
@@ -4899,6 +5087,21 @@
             <a:r>
               <a:rPr lang="en-AU" dirty="0"/>
               <a:t>Node + Express</a:t>
+            </a:r>
+          </a:p>
+          <a:p>
+            <a:pPr marL="0" indent="0">
+              <a:buNone/>
+            </a:pPr>
+            <a:endParaRPr lang="en-AU" dirty="0"/>
+          </a:p>
+          <a:p>
+            <a:pPr marL="0" indent="0">
+              <a:buNone/>
+            </a:pPr>
+            <a:r>
+              <a:rPr lang="en-AU" dirty="0"/>
+              <a:t>JWT</a:t>
             </a:r>
           </a:p>
         </p:txBody>
@@ -4932,8 +5135,8 @@
         </p:blipFill>
         <p:spPr bwMode="auto">
           <a:xfrm>
-            <a:off x="5221048" y="4103471"/>
-            <a:ext cx="1268725" cy="1268725"/>
+            <a:off x="7604798" y="3369084"/>
+            <a:ext cx="1264419" cy="1264419"/>
           </a:xfrm>
           <a:prstGeom prst="rect">
             <a:avLst/>
@@ -4979,8 +5182,8 @@
         </p:blipFill>
         <p:spPr bwMode="auto">
           <a:xfrm>
-            <a:off x="2299602" y="3348778"/>
-            <a:ext cx="3138487" cy="865219"/>
+            <a:off x="5449261" y="2828932"/>
+            <a:ext cx="2155537" cy="594239"/>
           </a:xfrm>
           <a:prstGeom prst="rect">
             <a:avLst/>
@@ -5018,7 +5221,7 @@
         </p:blipFill>
         <p:spPr>
           <a:xfrm>
-            <a:off x="1750942" y="2138798"/>
+            <a:off x="4231675" y="2028731"/>
             <a:ext cx="1097321" cy="1097321"/>
           </a:xfrm>
           <a:prstGeom prst="rect">
